--- a/LCC/Java/12_Nio2概要.pptx
+++ b/LCC/Java/12_Nio2概要.pptx
@@ -866,7 +866,7 @@
             <a:fld id="{B61BEF0D-F0BB-DE4B-95CE-6DB70DBA9567}" type="datetimeFigureOut">
               <a:rPr lang="en-US" dirty="0"/>
               <a:pPr/>
-              <a:t>11/11/2021</a:t>
+              <a:t>11/13/2021</a:t>
             </a:fld>
             <a:endParaRPr lang="en-US" dirty="0"/>
           </a:p>
@@ -1114,7 +1114,7 @@
             <a:fld id="{B61BEF0D-F0BB-DE4B-95CE-6DB70DBA9567}" type="datetimeFigureOut">
               <a:rPr lang="en-US" dirty="0"/>
               <a:pPr/>
-              <a:t>11/11/2021</a:t>
+              <a:t>11/13/2021</a:t>
             </a:fld>
             <a:endParaRPr lang="en-US" dirty="0"/>
           </a:p>
@@ -1425,7 +1425,7 @@
             <a:fld id="{B61BEF0D-F0BB-DE4B-95CE-6DB70DBA9567}" type="datetimeFigureOut">
               <a:rPr lang="en-US" dirty="0"/>
               <a:pPr/>
-              <a:t>11/11/2021</a:t>
+              <a:t>11/13/2021</a:t>
             </a:fld>
             <a:endParaRPr lang="en-US" dirty="0"/>
           </a:p>
@@ -1763,7 +1763,7 @@
             <a:fld id="{B61BEF0D-F0BB-DE4B-95CE-6DB70DBA9567}" type="datetimeFigureOut">
               <a:rPr lang="en-US" dirty="0"/>
               <a:pPr/>
-              <a:t>11/11/2021</a:t>
+              <a:t>11/13/2021</a:t>
             </a:fld>
             <a:endParaRPr lang="en-US" dirty="0"/>
           </a:p>
@@ -2074,7 +2074,7 @@
             <a:fld id="{B61BEF0D-F0BB-DE4B-95CE-6DB70DBA9567}" type="datetimeFigureOut">
               <a:rPr lang="en-US" dirty="0"/>
               <a:pPr/>
-              <a:t>11/11/2021</a:t>
+              <a:t>11/13/2021</a:t>
             </a:fld>
             <a:endParaRPr lang="en-US" dirty="0"/>
           </a:p>
@@ -2464,7 +2464,7 @@
             <a:fld id="{B61BEF0D-F0BB-DE4B-95CE-6DB70DBA9567}" type="datetimeFigureOut">
               <a:rPr lang="en-US" dirty="0"/>
               <a:pPr/>
-              <a:t>11/11/2021</a:t>
+              <a:t>11/13/2021</a:t>
             </a:fld>
             <a:endParaRPr lang="en-US" dirty="0"/>
           </a:p>
@@ -2630,7 +2630,7 @@
           <a:p>
             <a:fld id="{55C6B4A9-1611-4792-9094-5F34BCA07E0B}" type="datetimeFigureOut">
               <a:rPr lang="en-US" dirty="0"/>
-              <a:t>11/11/2021</a:t>
+              <a:t>11/13/2021</a:t>
             </a:fld>
             <a:endParaRPr lang="en-US" dirty="0"/>
           </a:p>
@@ -2806,7 +2806,7 @@
             <a:fld id="{B61BEF0D-F0BB-DE4B-95CE-6DB70DBA9567}" type="datetimeFigureOut">
               <a:rPr lang="en-US" dirty="0"/>
               <a:pPr/>
-              <a:t>11/11/2021</a:t>
+              <a:t>11/13/2021</a:t>
             </a:fld>
             <a:endParaRPr lang="en-US" dirty="0"/>
           </a:p>
@@ -3003,7 +3003,7 @@
             <a:fld id="{B61BEF0D-F0BB-DE4B-95CE-6DB70DBA9567}" type="datetimeFigureOut">
               <a:rPr lang="en-US" dirty="0"/>
               <a:pPr/>
-              <a:t>11/11/2021</a:t>
+              <a:t>11/13/2021</a:t>
             </a:fld>
             <a:endParaRPr lang="en-US" dirty="0"/>
           </a:p>
@@ -3247,7 +3247,7 @@
             <a:fld id="{B61BEF0D-F0BB-DE4B-95CE-6DB70DBA9567}" type="datetimeFigureOut">
               <a:rPr lang="en-US" dirty="0"/>
               <a:pPr/>
-              <a:t>11/11/2021</a:t>
+              <a:t>11/13/2021</a:t>
             </a:fld>
             <a:endParaRPr lang="en-US" dirty="0"/>
           </a:p>
@@ -3475,7 +3475,7 @@
           <a:p>
             <a:fld id="{EB712588-04B1-427B-82EE-E8DB90309F08}" type="datetimeFigureOut">
               <a:rPr lang="en-US" dirty="0"/>
-              <a:t>11/11/2021</a:t>
+              <a:t>11/13/2021</a:t>
             </a:fld>
             <a:endParaRPr lang="en-US" dirty="0"/>
           </a:p>
@@ -3845,7 +3845,7 @@
             <a:fld id="{B61BEF0D-F0BB-DE4B-95CE-6DB70DBA9567}" type="datetimeFigureOut">
               <a:rPr lang="en-US" dirty="0"/>
               <a:pPr/>
-              <a:t>11/11/2021</a:t>
+              <a:t>11/13/2021</a:t>
             </a:fld>
             <a:endParaRPr lang="en-US" dirty="0"/>
           </a:p>
@@ -3965,7 +3965,7 @@
             <a:fld id="{B61BEF0D-F0BB-DE4B-95CE-6DB70DBA9567}" type="datetimeFigureOut">
               <a:rPr lang="en-US" dirty="0"/>
               <a:pPr/>
-              <a:t>11/11/2021</a:t>
+              <a:t>11/13/2021</a:t>
             </a:fld>
             <a:endParaRPr lang="en-US" dirty="0"/>
           </a:p>
@@ -4057,7 +4057,7 @@
             <a:fld id="{B61BEF0D-F0BB-DE4B-95CE-6DB70DBA9567}" type="datetimeFigureOut">
               <a:rPr lang="en-US" dirty="0"/>
               <a:pPr/>
-              <a:t>11/11/2021</a:t>
+              <a:t>11/13/2021</a:t>
             </a:fld>
             <a:endParaRPr lang="en-US" dirty="0"/>
           </a:p>
@@ -4308,7 +4308,7 @@
           <a:p>
             <a:fld id="{42A54C80-263E-416B-A8E0-580EDEADCBDC}" type="datetimeFigureOut">
               <a:rPr lang="en-US" dirty="0"/>
-              <a:t>11/11/2021</a:t>
+              <a:t>11/13/2021</a:t>
             </a:fld>
             <a:endParaRPr lang="en-US" dirty="0"/>
           </a:p>
@@ -4567,7 +4567,7 @@
             <a:fld id="{B61BEF0D-F0BB-DE4B-95CE-6DB70DBA9567}" type="datetimeFigureOut">
               <a:rPr lang="en-US" dirty="0"/>
               <a:pPr/>
-              <a:t>11/11/2021</a:t>
+              <a:t>11/13/2021</a:t>
             </a:fld>
             <a:endParaRPr lang="en-US" dirty="0"/>
           </a:p>
@@ -5307,7 +5307,7 @@
             <a:fld id="{B61BEF0D-F0BB-DE4B-95CE-6DB70DBA9567}" type="datetimeFigureOut">
               <a:rPr lang="en-US" dirty="0"/>
               <a:pPr/>
-              <a:t>11/11/2021</a:t>
+              <a:t>11/13/2021</a:t>
             </a:fld>
             <a:endParaRPr lang="en-US" dirty="0"/>
           </a:p>
@@ -6040,7 +6040,7 @@
             <a:fld id="{4805910D-2C61-424F-80CE-807290CF0E1E}" type="datetime4">
               <a:rPr lang="zh-TW" altLang="zh-TW"/>
               <a:pPr/>
-              <a:t>110年11月11日星期四</a:t>
+              <a:t>110年11月13日星期六</a:t>
             </a:fld>
             <a:endParaRPr lang="zh-TW" altLang="en-US" dirty="0"/>
           </a:p>
@@ -6100,6 +6100,13 @@
   <p:clrMapOvr>
     <a:masterClrMapping/>
   </p:clrMapOvr>
+  <p:timing>
+    <p:tnLst>
+      <p:par>
+        <p:cTn id="1" dur="indefinite" restart="never" nodeType="tmRoot"/>
+      </p:par>
+    </p:tnLst>
+  </p:timing>
 </p:sld>
 </file>
 
@@ -6275,6 +6282,13 @@
   <p:clrMapOvr>
     <a:masterClrMapping/>
   </p:clrMapOvr>
+  <p:timing>
+    <p:tnLst>
+      <p:par>
+        <p:cTn id="1" dur="indefinite" restart="never" nodeType="tmRoot"/>
+      </p:par>
+    </p:tnLst>
+  </p:timing>
 </p:sld>
 </file>
 
@@ -6359,6 +6373,13 @@
   <p:clrMapOvr>
     <a:masterClrMapping/>
   </p:clrMapOvr>
+  <p:timing>
+    <p:tnLst>
+      <p:par>
+        <p:cTn id="1" dur="indefinite" restart="never" nodeType="tmRoot"/>
+      </p:par>
+    </p:tnLst>
+  </p:timing>
 </p:sld>
 </file>
 
@@ -6412,8 +6433,8 @@
               <a:rPr lang="en-US" altLang="zh-TW" dirty="0" smtClean="0"/>
             </a:br>
             <a:r>
-              <a:rPr lang="en-US" altLang="zh-TW" sz="2200" dirty="0"/>
-              <a:t>NIO.2 </a:t>
+              <a:rPr lang="en-US" altLang="zh-TW" sz="2200" dirty="0" smtClean="0"/>
+              <a:t>NIO2 </a:t>
             </a:r>
             <a:r>
               <a:rPr lang="zh-TW" altLang="en-US" sz="2200" dirty="0"/>
@@ -6781,6 +6802,13 @@
   <p:clrMapOvr>
     <a:masterClrMapping/>
   </p:clrMapOvr>
+  <p:timing>
+    <p:tnLst>
+      <p:par>
+        <p:cTn id="1" dur="indefinite" restart="never" nodeType="tmRoot"/>
+      </p:par>
+    </p:tnLst>
+  </p:timing>
 </p:sld>
 </file>
 
@@ -6911,6 +6939,13 @@
   <p:clrMapOvr>
     <a:masterClrMapping/>
   </p:clrMapOvr>
+  <p:timing>
+    <p:tnLst>
+      <p:par>
+        <p:cTn id="1" dur="indefinite" restart="never" nodeType="tmRoot"/>
+      </p:par>
+    </p:tnLst>
+  </p:timing>
 </p:sld>
 </file>
 
@@ -8119,6 +8154,13 @@
   <p:clrMapOvr>
     <a:masterClrMapping/>
   </p:clrMapOvr>
+  <p:timing>
+    <p:tnLst>
+      <p:par>
+        <p:cTn id="1" dur="indefinite" restart="never" nodeType="tmRoot"/>
+      </p:par>
+    </p:tnLst>
+  </p:timing>
 </p:sld>
 </file>
 
@@ -8801,6 +8843,13 @@
   <p:clrMapOvr>
     <a:masterClrMapping/>
   </p:clrMapOvr>
+  <p:timing>
+    <p:tnLst>
+      <p:par>
+        <p:cTn id="1" dur="indefinite" restart="never" nodeType="tmRoot"/>
+      </p:par>
+    </p:tnLst>
+  </p:timing>
 </p:sld>
 </file>
 
@@ -11530,6 +11579,13 @@
   <p:clrMapOvr>
     <a:masterClrMapping/>
   </p:clrMapOvr>
+  <p:timing>
+    <p:tnLst>
+      <p:par>
+        <p:cTn id="1" dur="indefinite" restart="never" nodeType="tmRoot"/>
+      </p:par>
+    </p:tnLst>
+  </p:timing>
 </p:sld>
 </file>
 
@@ -13074,6 +13130,13 @@
   <p:clrMapOvr>
     <a:masterClrMapping/>
   </p:clrMapOvr>
+  <p:timing>
+    <p:tnLst>
+      <p:par>
+        <p:cTn id="1" dur="indefinite" restart="never" nodeType="tmRoot"/>
+      </p:par>
+    </p:tnLst>
+  </p:timing>
 </p:sld>
 </file>
 
@@ -13215,6 +13278,13 @@
   <p:clrMapOvr>
     <a:masterClrMapping/>
   </p:clrMapOvr>
+  <p:timing>
+    <p:tnLst>
+      <p:par>
+        <p:cTn id="1" dur="indefinite" restart="never" nodeType="tmRoot"/>
+      </p:par>
+    </p:tnLst>
+  </p:timing>
 </p:sld>
 </file>
 
@@ -13302,6 +13372,13 @@
   <p:clrMapOvr>
     <a:masterClrMapping/>
   </p:clrMapOvr>
+  <p:timing>
+    <p:tnLst>
+      <p:par>
+        <p:cTn id="1" dur="indefinite" restart="never" nodeType="tmRoot"/>
+      </p:par>
+    </p:tnLst>
+  </p:timing>
 </p:sld>
 </file>
 
@@ -13522,6 +13599,13 @@
   <p:clrMapOvr>
     <a:masterClrMapping/>
   </p:clrMapOvr>
+  <p:timing>
+    <p:tnLst>
+      <p:par>
+        <p:cTn id="1" dur="indefinite" restart="never" nodeType="tmRoot"/>
+      </p:par>
+    </p:tnLst>
+  </p:timing>
 </p:sld>
 </file>
 
@@ -14395,6 +14479,13 @@
   <p:clrMapOvr>
     <a:masterClrMapping/>
   </p:clrMapOvr>
+  <p:timing>
+    <p:tnLst>
+      <p:par>
+        <p:cTn id="1" dur="indefinite" restart="never" nodeType="tmRoot"/>
+      </p:par>
+    </p:tnLst>
+  </p:timing>
 </p:sld>
 </file>
 
@@ -14582,6 +14673,13 @@
   <p:clrMapOvr>
     <a:masterClrMapping/>
   </p:clrMapOvr>
+  <p:timing>
+    <p:tnLst>
+      <p:par>
+        <p:cTn id="1" dur="indefinite" restart="never" nodeType="tmRoot"/>
+      </p:par>
+    </p:tnLst>
+  </p:timing>
 </p:sld>
 </file>
 
@@ -14681,6 +14779,13 @@
   <p:clrMapOvr>
     <a:masterClrMapping/>
   </p:clrMapOvr>
+  <p:timing>
+    <p:tnLst>
+      <p:par>
+        <p:cTn id="1" dur="indefinite" restart="never" nodeType="tmRoot"/>
+      </p:par>
+    </p:tnLst>
+  </p:timing>
 </p:sld>
 </file>
 
@@ -14977,6 +15082,13 @@
   <p:clrMapOvr>
     <a:masterClrMapping/>
   </p:clrMapOvr>
+  <p:timing>
+    <p:tnLst>
+      <p:par>
+        <p:cTn id="1" dur="indefinite" restart="never" nodeType="tmRoot"/>
+      </p:par>
+    </p:tnLst>
+  </p:timing>
 </p:sld>
 </file>
 
@@ -15470,6 +15582,13 @@
   <p:clrMapOvr>
     <a:masterClrMapping/>
   </p:clrMapOvr>
+  <p:timing>
+    <p:tnLst>
+      <p:par>
+        <p:cTn id="1" dur="indefinite" restart="never" nodeType="tmRoot"/>
+      </p:par>
+    </p:tnLst>
+  </p:timing>
 </p:sld>
 </file>
 
